--- a/docs/pptx/jesus_youre_the_light.pptx
+++ b/docs/pptx/jesus_youre_the_light.pptx
@@ -117,6 +117,11 @@
       </a:defRPr>
     </a:lvl9pPr>
   </p:defaultTextStyle>
+  <p:extLst>
+    <p:ext uri="{EFAFB233-063F-42B5-8137-9DF3F51BA10A}">
+      <p15:sldGuideLst xmlns:p15="http://schemas.microsoft.com/office/powerpoint/2012/main"/>
+    </p:ext>
+  </p:extLst>
 </p:presentation>
 </file>
 
@@ -202,7 +207,7 @@
           <a:p>
             <a:fld id="{8F7F9C8F-0A79-274B-A211-F42E7AB82DCC}" type="datetimeFigureOut">
               <a:rPr lang="en-US" smtClean="0"/>
-              <a:t>10/19/25</a:t>
+              <a:t>2/9/26</a:t>
             </a:fld>
             <a:endParaRPr lang="en-US"/>
           </a:p>
@@ -2188,12 +2193,9 @@
 <p:sldLayout xmlns:a="http://schemas.openxmlformats.org/drawingml/2006/main" xmlns:r="http://schemas.openxmlformats.org/officeDocument/2006/relationships" xmlns:p="http://schemas.openxmlformats.org/presentationml/2006/main" userDrawn="1">
   <p:cSld name="1_국청컨용 슬라이드 마스터">
     <p:bg>
-      <p:bgPr>
-        <a:solidFill>
-          <a:schemeClr val="tx1"/>
-        </a:solidFill>
-        <a:effectLst/>
-      </p:bgPr>
+      <p:bgRef idx="1001">
+        <a:schemeClr val="bg1"/>
+      </p:bgRef>
     </p:bg>
     <p:spTree>
       <p:nvGrpSpPr>
@@ -2235,9 +2237,9 @@
                 <a:spcPts val="0"/>
               </a:spcBef>
               <a:buNone/>
-              <a:defRPr sz="5333" b="1">
+              <a:defRPr sz="5400" b="1">
                 <a:solidFill>
-                  <a:schemeClr val="bg1"/>
+                  <a:schemeClr val="tx1"/>
                 </a:solidFill>
                 <a:latin typeface="Calibri" panose="020F0502020204030204" pitchFamily="34" charset="0"/>
                 <a:cs typeface="Arial" panose="020B0604020202020204" pitchFamily="34" charset="0"/>
@@ -2262,7 +2264,7 @@
     </p:extLst>
   </p:cSld>
   <p:clrMapOvr>
-    <a:masterClrMapping/>
+    <a:overrideClrMapping bg1="dk1" tx1="lt1" bg2="dk2" tx2="lt2" accent1="accent1" accent2="accent2" accent3="accent3" accent4="accent4" accent5="accent5" accent6="accent6" hlink="hlink" folHlink="folHlink"/>
   </p:clrMapOvr>
 </p:sldLayout>
 </file>
@@ -2417,7 +2419,7 @@
           <a:p>
             <a:fld id="{AE9940A0-3E67-4FB7-BA7E-EAF0C0E0891D}" type="datetimeFigureOut">
               <a:rPr lang="ko-KR" altLang="en-US" smtClean="0"/>
-              <a:t>2025. 10. 19.</a:t>
+              <a:t>2026. 2. 9.</a:t>
             </a:fld>
             <a:endParaRPr lang="ko-KR" altLang="en-US"/>
           </a:p>
@@ -4529,34 +4531,13 @@
       </p:grpSpPr>
       <p:sp>
         <p:nvSpPr>
-          <p:cNvPr id="2" name="Title 1"/>
-          <p:cNvSpPr>
-            <a:spLocks noGrp="1"/>
-          </p:cNvSpPr>
-          <p:nvPr>
-            <p:ph type="ctrTitle" idx="4294967295"/>
-          </p:nvPr>
-        </p:nvSpPr>
-        <p:spPr>
-          <a:xfrm>
-            <a:off x="-13370417" y="-10156816"/>
-            <a:ext cx="12192000" cy="2160000"/>
-          </a:xfrm>
-        </p:spPr>
-        <p:txBody>
-          <a:bodyPr/>
-          <a:lstStyle/>
-          <a:p>
-            <a:r>
-              <a:rPr lang="ko-KR" altLang="en-US"/>
-              <a:t> </a:t>
-            </a:r>
-          </a:p>
-        </p:txBody>
-      </p:sp>
-      <p:sp>
-        <p:nvSpPr>
-          <p:cNvPr id="3" name="Text Placeholder 2"/>
+          <p:cNvPr id="42" name="Text Placeholder 41">
+            <a:extLst>
+              <a:ext uri="{FF2B5EF4-FFF2-40B4-BE49-F238E27FC236}">
+                <a16:creationId xmlns:a16="http://schemas.microsoft.com/office/drawing/2014/main" id="{E128D992-F4F8-E6E1-8E16-E2A1D0809919}"/>
+              </a:ext>
+            </a:extLst>
+          </p:cNvPr>
           <p:cNvSpPr>
             <a:spLocks noGrp="1"/>
           </p:cNvSpPr>
@@ -4569,983 +4550,7 @@
           <a:bodyPr/>
           <a:lstStyle/>
           <a:p>
-            <a:r>
-              <a:t> </a:t>
-            </a:r>
-          </a:p>
-        </p:txBody>
-      </p:sp>
-      <p:sp>
-        <p:nvSpPr>
-          <p:cNvPr id="4" name="Text Placeholder 3"/>
-          <p:cNvSpPr>
-            <a:spLocks noGrp="1"/>
-          </p:cNvSpPr>
-          <p:nvPr>
-            <p:ph type="body" sz="quarter" idx="4294967295"/>
-          </p:nvPr>
-        </p:nvSpPr>
-        <p:spPr>
-          <a:xfrm>
-            <a:off x="13131191" y="-10191668"/>
-            <a:ext cx="12193984" cy="2160000"/>
-          </a:xfrm>
-        </p:spPr>
-        <p:txBody>
-          <a:bodyPr/>
-          <a:lstStyle/>
-          <a:p>
-            <a:r>
-              <a:t> </a:t>
-            </a:r>
-          </a:p>
-        </p:txBody>
-      </p:sp>
-      <p:sp>
-        <p:nvSpPr>
-          <p:cNvPr id="5" name="Text Placeholder 4"/>
-          <p:cNvSpPr>
-            <a:spLocks noGrp="1"/>
-          </p:cNvSpPr>
-          <p:nvPr>
-            <p:ph type="body" sz="quarter" idx="4294967295"/>
-          </p:nvPr>
-        </p:nvSpPr>
-        <p:spPr>
-          <a:xfrm>
-            <a:off x="-13371409" y="-6043511"/>
-            <a:ext cx="12193984" cy="2160000"/>
-          </a:xfrm>
-        </p:spPr>
-        <p:txBody>
-          <a:bodyPr/>
-          <a:lstStyle/>
-          <a:p>
-            <a:pPr rtl="1"/>
-            <a:r>
-              <a:rPr lang="ar-EG"/>
-              <a:t> </a:t>
-            </a:r>
-          </a:p>
-        </p:txBody>
-      </p:sp>
-      <p:sp>
-        <p:nvSpPr>
-          <p:cNvPr id="6" name="Text Placeholder 5"/>
-          <p:cNvSpPr>
-            <a:spLocks noGrp="1"/>
-          </p:cNvSpPr>
-          <p:nvPr>
-            <p:ph type="body" sz="quarter" idx="4294967295"/>
-          </p:nvPr>
-        </p:nvSpPr>
-        <p:spPr>
-          <a:xfrm>
-            <a:off x="-7956" y="-6043511"/>
-            <a:ext cx="12193984" cy="2160000"/>
-          </a:xfrm>
-        </p:spPr>
-        <p:txBody>
-          <a:bodyPr/>
-          <a:lstStyle/>
-          <a:p>
-            <a:pPr rtl="1"/>
-            <a:r>
-              <a:rPr lang="fa-IR"/>
-              <a:t> </a:t>
-            </a:r>
-          </a:p>
-        </p:txBody>
-      </p:sp>
-      <p:sp>
-        <p:nvSpPr>
-          <p:cNvPr id="7" name="Text Placeholder 6"/>
-          <p:cNvSpPr>
-            <a:spLocks noGrp="1"/>
-          </p:cNvSpPr>
-          <p:nvPr>
-            <p:ph type="body" sz="quarter" idx="4294967295"/>
-          </p:nvPr>
-        </p:nvSpPr>
-        <p:spPr>
-          <a:xfrm>
-            <a:off x="13131191" y="-6058699"/>
-            <a:ext cx="12193984" cy="2234811"/>
-          </a:xfrm>
-        </p:spPr>
-        <p:txBody>
-          <a:bodyPr/>
-          <a:lstStyle/>
-          <a:p>
-            <a:r>
-              <a:t> </a:t>
-            </a:r>
-          </a:p>
-        </p:txBody>
-      </p:sp>
-      <p:sp>
-        <p:nvSpPr>
-          <p:cNvPr id="8" name="Text Placeholder 7"/>
-          <p:cNvSpPr>
-            <a:spLocks noGrp="1"/>
-          </p:cNvSpPr>
-          <p:nvPr>
-            <p:ph type="body" sz="quarter" idx="4294967295"/>
-          </p:nvPr>
-        </p:nvSpPr>
-        <p:spPr>
-          <a:xfrm>
-            <a:off x="-13371409" y="-1859715"/>
-            <a:ext cx="12193984" cy="2613600"/>
-          </a:xfrm>
-        </p:spPr>
-        <p:txBody>
-          <a:bodyPr/>
-          <a:lstStyle/>
-          <a:p>
-            <a:pPr rtl="1"/>
-            <a:r>
-              <a:rPr lang="ur-PK"/>
-              <a:t> </a:t>
-            </a:r>
-          </a:p>
-        </p:txBody>
-      </p:sp>
-      <p:sp>
-        <p:nvSpPr>
-          <p:cNvPr id="9" name="Text Placeholder 8"/>
-          <p:cNvSpPr>
-            <a:spLocks noGrp="1"/>
-          </p:cNvSpPr>
-          <p:nvPr>
-            <p:ph type="body" sz="quarter" idx="4294967295"/>
-          </p:nvPr>
-        </p:nvSpPr>
-        <p:spPr>
-          <a:xfrm>
-            <a:off x="13131191" y="-1632915"/>
-            <a:ext cx="12193984" cy="2160000"/>
-          </a:xfrm>
-        </p:spPr>
-        <p:txBody>
-          <a:bodyPr/>
-          <a:lstStyle/>
-          <a:p>
-            <a:r>
-              <a:t> </a:t>
-            </a:r>
-          </a:p>
-        </p:txBody>
-      </p:sp>
-      <p:sp>
-        <p:nvSpPr>
-          <p:cNvPr id="10" name="Text Placeholder 9"/>
-          <p:cNvSpPr>
-            <a:spLocks noGrp="1"/>
-          </p:cNvSpPr>
-          <p:nvPr>
-            <p:ph type="body" sz="quarter" idx="4294967295"/>
-          </p:nvPr>
-        </p:nvSpPr>
-        <p:spPr>
-          <a:xfrm>
-            <a:off x="-13371409" y="2852936"/>
-            <a:ext cx="12193984" cy="2160000"/>
-          </a:xfrm>
-        </p:spPr>
-        <p:txBody>
-          <a:bodyPr/>
-          <a:lstStyle/>
-          <a:p>
-            <a:r>
-              <a:t> </a:t>
-            </a:r>
-          </a:p>
-        </p:txBody>
-      </p:sp>
-      <p:sp>
-        <p:nvSpPr>
-          <p:cNvPr id="11" name="Text Placeholder 10"/>
-          <p:cNvSpPr>
-            <a:spLocks noGrp="1"/>
-          </p:cNvSpPr>
-          <p:nvPr>
-            <p:ph type="body" sz="quarter" idx="4294967295"/>
-          </p:nvPr>
-        </p:nvSpPr>
-        <p:spPr>
-          <a:xfrm>
-            <a:off x="13131191" y="2777681"/>
-            <a:ext cx="12193984" cy="2160000"/>
-          </a:xfrm>
-        </p:spPr>
-        <p:txBody>
-          <a:bodyPr/>
-          <a:lstStyle/>
-          <a:p>
-            <a:r>
-              <a:t> </a:t>
-            </a:r>
-          </a:p>
-        </p:txBody>
-      </p:sp>
-      <p:sp>
-        <p:nvSpPr>
-          <p:cNvPr id="12" name="Text Placeholder 11"/>
-          <p:cNvSpPr>
-            <a:spLocks noGrp="1"/>
-          </p:cNvSpPr>
-          <p:nvPr>
-            <p:ph type="body" sz="quarter" idx="4294967295"/>
-          </p:nvPr>
-        </p:nvSpPr>
-        <p:spPr>
-          <a:xfrm>
-            <a:off x="-13371409" y="7188277"/>
-            <a:ext cx="12193984" cy="2160000"/>
-          </a:xfrm>
-        </p:spPr>
-        <p:txBody>
-          <a:bodyPr/>
-          <a:lstStyle/>
-          <a:p>
-            <a:r>
-              <a:t> </a:t>
-            </a:r>
-          </a:p>
-        </p:txBody>
-      </p:sp>
-      <p:sp>
-        <p:nvSpPr>
-          <p:cNvPr id="13" name="Text Placeholder 12"/>
-          <p:cNvSpPr>
-            <a:spLocks noGrp="1"/>
-          </p:cNvSpPr>
-          <p:nvPr>
-            <p:ph type="body" sz="quarter" idx="4294967295"/>
-          </p:nvPr>
-        </p:nvSpPr>
-        <p:spPr>
-          <a:xfrm>
-            <a:off x="13131191" y="7188277"/>
-            <a:ext cx="12193984" cy="2160000"/>
-          </a:xfrm>
-        </p:spPr>
-        <p:txBody>
-          <a:bodyPr/>
-          <a:lstStyle/>
-          <a:p>
-            <a:r>
-              <a:t> </a:t>
-            </a:r>
-          </a:p>
-        </p:txBody>
-      </p:sp>
-      <p:sp>
-        <p:nvSpPr>
-          <p:cNvPr id="14" name="Text Placeholder 13"/>
-          <p:cNvSpPr>
-            <a:spLocks noGrp="1"/>
-          </p:cNvSpPr>
-          <p:nvPr>
-            <p:ph type="body" sz="quarter" idx="4294967295"/>
-          </p:nvPr>
-        </p:nvSpPr>
-        <p:spPr>
-          <a:xfrm>
-            <a:off x="-13371409" y="11598873"/>
-            <a:ext cx="12193984" cy="2160000"/>
-          </a:xfrm>
-        </p:spPr>
-        <p:txBody>
-          <a:bodyPr/>
-          <a:lstStyle/>
-          <a:p>
-            <a:r>
-              <a:t> </a:t>
-            </a:r>
-          </a:p>
-        </p:txBody>
-      </p:sp>
-      <p:sp>
-        <p:nvSpPr>
-          <p:cNvPr id="15" name="Text Placeholder 14"/>
-          <p:cNvSpPr>
-            <a:spLocks noGrp="1"/>
-          </p:cNvSpPr>
-          <p:nvPr>
-            <p:ph type="body" sz="quarter" idx="4294967295"/>
-          </p:nvPr>
-        </p:nvSpPr>
-        <p:spPr>
-          <a:xfrm>
-            <a:off x="-7956" y="11598873"/>
-            <a:ext cx="12193984" cy="2160000"/>
-          </a:xfrm>
-        </p:spPr>
-        <p:txBody>
-          <a:bodyPr/>
-          <a:lstStyle/>
-          <a:p>
-            <a:pPr rtl="1"/>
-            <a:r>
-              <a:rPr lang="he-IL"/>
-              <a:t> </a:t>
-            </a:r>
-          </a:p>
-        </p:txBody>
-      </p:sp>
-      <p:sp>
-        <p:nvSpPr>
-          <p:cNvPr id="16" name="Text Placeholder 15"/>
-          <p:cNvSpPr>
-            <a:spLocks noGrp="1"/>
-          </p:cNvSpPr>
-          <p:nvPr>
-            <p:ph type="body" sz="quarter" idx="4294967295"/>
-          </p:nvPr>
-        </p:nvSpPr>
-        <p:spPr>
-          <a:xfrm>
-            <a:off x="13131191" y="11598873"/>
-            <a:ext cx="12193984" cy="2160000"/>
-          </a:xfrm>
-        </p:spPr>
-        <p:txBody>
-          <a:bodyPr/>
-          <a:lstStyle/>
-          <a:p>
-            <a:r>
-              <a:t> </a:t>
-            </a:r>
-          </a:p>
-        </p:txBody>
-      </p:sp>
-      <p:sp>
-        <p:nvSpPr>
-          <p:cNvPr id="17" name="Text Placeholder 16"/>
-          <p:cNvSpPr>
-            <a:spLocks noGrp="1"/>
-          </p:cNvSpPr>
-          <p:nvPr>
-            <p:ph type="body" sz="quarter" idx="4294967295"/>
-          </p:nvPr>
-        </p:nvSpPr>
-        <p:spPr>
-          <a:xfrm>
-            <a:off x="-13371409" y="16009468"/>
-            <a:ext cx="12193984" cy="2160000"/>
-          </a:xfrm>
-        </p:spPr>
-        <p:txBody>
-          <a:bodyPr/>
-          <a:lstStyle/>
-          <a:p>
-            <a:r>
-              <a:t> </a:t>
-            </a:r>
-          </a:p>
-        </p:txBody>
-      </p:sp>
-      <p:sp>
-        <p:nvSpPr>
-          <p:cNvPr id="18" name="Text Placeholder 17"/>
-          <p:cNvSpPr>
-            <a:spLocks noGrp="1"/>
-          </p:cNvSpPr>
-          <p:nvPr>
-            <p:ph type="body" sz="quarter" idx="4294967295"/>
-          </p:nvPr>
-        </p:nvSpPr>
-        <p:spPr>
-          <a:xfrm>
-            <a:off x="-7956" y="16009468"/>
-            <a:ext cx="12193984" cy="2160000"/>
-          </a:xfrm>
-        </p:spPr>
-        <p:txBody>
-          <a:bodyPr/>
-          <a:lstStyle/>
-          <a:p>
-            <a:r>
-              <a:t> </a:t>
-            </a:r>
-          </a:p>
-        </p:txBody>
-      </p:sp>
-      <p:sp>
-        <p:nvSpPr>
-          <p:cNvPr id="19" name="Text Placeholder 18"/>
-          <p:cNvSpPr>
-            <a:spLocks noGrp="1"/>
-          </p:cNvSpPr>
-          <p:nvPr>
-            <p:ph type="body" sz="quarter" idx="4294967295"/>
-          </p:nvPr>
-        </p:nvSpPr>
-        <p:spPr>
-          <a:xfrm>
-            <a:off x="13132183" y="16009469"/>
-            <a:ext cx="12192000" cy="2160587"/>
-          </a:xfrm>
-        </p:spPr>
-        <p:txBody>
-          <a:bodyPr/>
-          <a:lstStyle/>
-          <a:p>
-            <a:r>
-              <a:t> </a:t>
-            </a:r>
-          </a:p>
-        </p:txBody>
-      </p:sp>
-      <p:sp>
-        <p:nvSpPr>
-          <p:cNvPr id="20" name="Text Placeholder 19"/>
-          <p:cNvSpPr>
-            <a:spLocks noGrp="1"/>
-          </p:cNvSpPr>
-          <p:nvPr>
-            <p:ph type="body" sz="quarter" idx="4294967295"/>
-          </p:nvPr>
-        </p:nvSpPr>
-        <p:spPr>
-          <a:xfrm>
-            <a:off x="-13371409" y="20447647"/>
-            <a:ext cx="12193984" cy="2160000"/>
-          </a:xfrm>
-        </p:spPr>
-        <p:txBody>
-          <a:bodyPr/>
-          <a:lstStyle/>
-          <a:p>
-            <a:r>
-              <a:t> </a:t>
-            </a:r>
-          </a:p>
-        </p:txBody>
-      </p:sp>
-      <p:sp>
-        <p:nvSpPr>
-          <p:cNvPr id="21" name="Text Placeholder 20"/>
-          <p:cNvSpPr>
-            <a:spLocks noGrp="1"/>
-          </p:cNvSpPr>
-          <p:nvPr>
-            <p:ph type="body" sz="quarter" idx="4294967295"/>
-          </p:nvPr>
-        </p:nvSpPr>
-        <p:spPr>
-          <a:xfrm>
-            <a:off x="-7956" y="20447647"/>
-            <a:ext cx="12193984" cy="2160000"/>
-          </a:xfrm>
-        </p:spPr>
-        <p:txBody>
-          <a:bodyPr/>
-          <a:lstStyle/>
-          <a:p>
-            <a:r>
-              <a:t> </a:t>
-            </a:r>
-          </a:p>
-        </p:txBody>
-      </p:sp>
-      <p:sp>
-        <p:nvSpPr>
-          <p:cNvPr id="22" name="Text Placeholder 21"/>
-          <p:cNvSpPr>
-            <a:spLocks noGrp="1"/>
-          </p:cNvSpPr>
-          <p:nvPr>
-            <p:ph type="body" sz="quarter" idx="4294967295"/>
-          </p:nvPr>
-        </p:nvSpPr>
-        <p:spPr>
-          <a:xfrm>
-            <a:off x="13200160" y="20471133"/>
-            <a:ext cx="12193984" cy="2160000"/>
-          </a:xfrm>
-        </p:spPr>
-        <p:txBody>
-          <a:bodyPr/>
-          <a:lstStyle/>
-          <a:p>
-            <a:r>
-              <a:t> </a:t>
-            </a:r>
-          </a:p>
-        </p:txBody>
-      </p:sp>
-      <p:sp>
-        <p:nvSpPr>
-          <p:cNvPr id="23" name="Text Placeholder 22"/>
-          <p:cNvSpPr>
-            <a:spLocks noGrp="1"/>
-          </p:cNvSpPr>
-          <p:nvPr>
-            <p:ph type="body" sz="quarter" idx="4294967295"/>
-          </p:nvPr>
-        </p:nvSpPr>
-        <p:spPr>
-          <a:xfrm>
-            <a:off x="-26087256" y="-6203044"/>
-            <a:ext cx="12193984" cy="2160000"/>
-          </a:xfrm>
-        </p:spPr>
-        <p:txBody>
-          <a:bodyPr/>
-          <a:lstStyle/>
-          <a:p>
-            <a:r>
-              <a:t> </a:t>
-            </a:r>
-          </a:p>
-        </p:txBody>
-      </p:sp>
-      <p:sp>
-        <p:nvSpPr>
-          <p:cNvPr id="24" name="Text Placeholder 23"/>
-          <p:cNvSpPr>
-            <a:spLocks noGrp="1"/>
-          </p:cNvSpPr>
-          <p:nvPr>
-            <p:ph type="body" sz="quarter" idx="4294967295"/>
-          </p:nvPr>
-        </p:nvSpPr>
-        <p:spPr>
-          <a:xfrm>
-            <a:off x="-26124397" y="-1849660"/>
-            <a:ext cx="12193984" cy="2160000"/>
-          </a:xfrm>
-        </p:spPr>
-        <p:txBody>
-          <a:bodyPr/>
-          <a:lstStyle/>
-          <a:p>
-            <a:r>
-              <a:t> </a:t>
-            </a:r>
-          </a:p>
-        </p:txBody>
-      </p:sp>
-      <p:sp>
-        <p:nvSpPr>
-          <p:cNvPr id="25" name="Text Placeholder 24"/>
-          <p:cNvSpPr>
-            <a:spLocks noGrp="1"/>
-          </p:cNvSpPr>
-          <p:nvPr>
-            <p:ph type="body" sz="quarter" idx="4294967295"/>
-          </p:nvPr>
-        </p:nvSpPr>
-        <p:spPr>
-          <a:xfrm>
-            <a:off x="-26087257" y="2787735"/>
-            <a:ext cx="12193984" cy="2991335"/>
-          </a:xfrm>
-        </p:spPr>
-        <p:txBody>
-          <a:bodyPr/>
-          <a:lstStyle/>
-          <a:p>
-            <a:r>
-              <a:t> </a:t>
-            </a:r>
-          </a:p>
-        </p:txBody>
-      </p:sp>
-      <p:sp>
-        <p:nvSpPr>
-          <p:cNvPr id="26" name="Text Placeholder 25"/>
-          <p:cNvSpPr>
-            <a:spLocks noGrp="1"/>
-          </p:cNvSpPr>
-          <p:nvPr>
-            <p:ph type="body" sz="quarter" idx="4294967295"/>
-          </p:nvPr>
-        </p:nvSpPr>
-        <p:spPr>
-          <a:xfrm>
-            <a:off x="-26087257" y="7176170"/>
-            <a:ext cx="12194117" cy="2160588"/>
-          </a:xfrm>
-        </p:spPr>
-        <p:txBody>
-          <a:bodyPr/>
-          <a:lstStyle/>
-          <a:p>
-            <a:r>
-              <a:t> </a:t>
-            </a:r>
-          </a:p>
-        </p:txBody>
-      </p:sp>
-      <p:sp>
-        <p:nvSpPr>
-          <p:cNvPr id="27" name="Text Placeholder 26"/>
-          <p:cNvSpPr>
-            <a:spLocks noGrp="1"/>
-          </p:cNvSpPr>
-          <p:nvPr>
-            <p:ph type="body" sz="quarter" idx="4294967295"/>
-          </p:nvPr>
-        </p:nvSpPr>
-        <p:spPr>
-          <a:xfrm>
-            <a:off x="-26042903" y="11529554"/>
-            <a:ext cx="12192000" cy="2180167"/>
-          </a:xfrm>
-        </p:spPr>
-        <p:txBody>
-          <a:bodyPr/>
-          <a:lstStyle/>
-          <a:p>
-            <a:r>
-              <a:t> </a:t>
-            </a:r>
-          </a:p>
-        </p:txBody>
-      </p:sp>
-      <p:sp>
-        <p:nvSpPr>
-          <p:cNvPr id="28" name="Text Placeholder 27"/>
-          <p:cNvSpPr>
-            <a:spLocks noGrp="1"/>
-          </p:cNvSpPr>
-          <p:nvPr>
-            <p:ph type="body" sz="quarter" idx="4294967295"/>
-          </p:nvPr>
-        </p:nvSpPr>
-        <p:spPr>
-          <a:xfrm>
-            <a:off x="-26105283" y="15977591"/>
-            <a:ext cx="12192000" cy="2161117"/>
-          </a:xfrm>
-        </p:spPr>
-        <p:txBody>
-          <a:bodyPr/>
-          <a:lstStyle/>
-          <a:p>
-            <a:r>
-              <a:t> </a:t>
-            </a:r>
-          </a:p>
-        </p:txBody>
-      </p:sp>
-      <p:sp>
-        <p:nvSpPr>
-          <p:cNvPr id="29" name="Text Placeholder 28"/>
-          <p:cNvSpPr>
-            <a:spLocks noGrp="1"/>
-          </p:cNvSpPr>
-          <p:nvPr>
-            <p:ph type="body" sz="quarter" idx="4294967295"/>
-          </p:nvPr>
-        </p:nvSpPr>
-        <p:spPr>
-          <a:xfrm>
-            <a:off x="-26124397" y="20447647"/>
-            <a:ext cx="12168717" cy="2180167"/>
-          </a:xfrm>
-        </p:spPr>
-        <p:txBody>
-          <a:bodyPr/>
-          <a:lstStyle/>
-          <a:p>
-            <a:r>
-              <a:t> </a:t>
-            </a:r>
-          </a:p>
-        </p:txBody>
-      </p:sp>
-      <p:sp>
-        <p:nvSpPr>
-          <p:cNvPr id="30" name="Text Placeholder 29"/>
-          <p:cNvSpPr>
-            <a:spLocks noGrp="1"/>
-          </p:cNvSpPr>
-          <p:nvPr>
-            <p:ph type="body" sz="quarter" idx="4294967295"/>
-          </p:nvPr>
-        </p:nvSpPr>
-        <p:spPr>
-          <a:xfrm>
-            <a:off x="26268353" y="-10244026"/>
-            <a:ext cx="12192000" cy="2180167"/>
-          </a:xfrm>
-        </p:spPr>
-        <p:txBody>
-          <a:bodyPr/>
-          <a:lstStyle/>
-          <a:p>
-            <a:r>
-              <a:t> </a:t>
-            </a:r>
-          </a:p>
-        </p:txBody>
-      </p:sp>
-      <p:sp>
-        <p:nvSpPr>
-          <p:cNvPr id="31" name="Text Placeholder 30"/>
-          <p:cNvSpPr>
-            <a:spLocks noGrp="1"/>
-          </p:cNvSpPr>
-          <p:nvPr>
-            <p:ph type="body" sz="quarter" idx="4294967295"/>
-          </p:nvPr>
-        </p:nvSpPr>
-        <p:spPr>
-          <a:xfrm>
-            <a:off x="26268353" y="-6043510"/>
-            <a:ext cx="12192001" cy="2207684"/>
-          </a:xfrm>
-        </p:spPr>
-        <p:txBody>
-          <a:bodyPr/>
-          <a:lstStyle/>
-          <a:p>
-            <a:r>
-              <a:t> </a:t>
-            </a:r>
-          </a:p>
-        </p:txBody>
-      </p:sp>
-      <p:sp>
-        <p:nvSpPr>
-          <p:cNvPr id="32" name="Text Placeholder 31"/>
-          <p:cNvSpPr>
-            <a:spLocks noGrp="1"/>
-          </p:cNvSpPr>
-          <p:nvPr>
-            <p:ph type="body" sz="quarter" idx="4294967295"/>
-          </p:nvPr>
-        </p:nvSpPr>
-        <p:spPr>
-          <a:xfrm>
-            <a:off x="26249696" y="-1726654"/>
-            <a:ext cx="12168717" cy="2180167"/>
-          </a:xfrm>
-        </p:spPr>
-        <p:txBody>
-          <a:bodyPr/>
-          <a:lstStyle/>
-          <a:p>
-            <a:pPr rtl="1"/>
-            <a:r>
-              <a:rPr lang="ar-EG"/>
-              <a:t> </a:t>
-            </a:r>
-          </a:p>
-        </p:txBody>
-      </p:sp>
-      <p:sp>
-        <p:nvSpPr>
-          <p:cNvPr id="33" name="Text Placeholder 32"/>
-          <p:cNvSpPr>
-            <a:spLocks noGrp="1"/>
-          </p:cNvSpPr>
-          <p:nvPr>
-            <p:ph type="body" sz="quarter" idx="4294967295"/>
-          </p:nvPr>
-        </p:nvSpPr>
-        <p:spPr>
-          <a:xfrm>
-            <a:off x="26276390" y="2717959"/>
-            <a:ext cx="12168717" cy="2175933"/>
-          </a:xfrm>
-        </p:spPr>
-        <p:txBody>
-          <a:bodyPr/>
-          <a:lstStyle/>
-          <a:p>
-            <a:r>
-              <a:t> </a:t>
-            </a:r>
-          </a:p>
-        </p:txBody>
-      </p:sp>
-      <p:sp>
-        <p:nvSpPr>
-          <p:cNvPr id="34" name="Text Placeholder 33"/>
-          <p:cNvSpPr>
-            <a:spLocks noGrp="1"/>
-          </p:cNvSpPr>
-          <p:nvPr>
-            <p:ph type="body" sz="quarter" idx="4294967295"/>
-          </p:nvPr>
-        </p:nvSpPr>
-        <p:spPr>
-          <a:xfrm>
-            <a:off x="26248342" y="7215273"/>
-            <a:ext cx="12168716" cy="2187227"/>
-          </a:xfrm>
-        </p:spPr>
-        <p:txBody>
-          <a:bodyPr/>
-          <a:lstStyle/>
-          <a:p>
-            <a:r>
-              <a:t> </a:t>
-            </a:r>
-          </a:p>
-        </p:txBody>
-      </p:sp>
-      <p:sp>
-        <p:nvSpPr>
-          <p:cNvPr id="35" name="Text Placeholder 34"/>
-          <p:cNvSpPr>
-            <a:spLocks noGrp="1"/>
-          </p:cNvSpPr>
-          <p:nvPr>
-            <p:ph type="body" sz="quarter" idx="4294967295"/>
-          </p:nvPr>
-        </p:nvSpPr>
-        <p:spPr>
-          <a:xfrm>
-            <a:off x="26248182" y="11598874"/>
-            <a:ext cx="12213167" cy="2207684"/>
-          </a:xfrm>
-        </p:spPr>
-        <p:txBody>
-          <a:bodyPr/>
-          <a:lstStyle/>
-          <a:p>
-            <a:r>
-              <a:t> </a:t>
-            </a:r>
-          </a:p>
-        </p:txBody>
-      </p:sp>
-      <p:sp>
-        <p:nvSpPr>
-          <p:cNvPr id="36" name="Text Placeholder 35"/>
-          <p:cNvSpPr>
-            <a:spLocks noGrp="1"/>
-          </p:cNvSpPr>
-          <p:nvPr>
-            <p:ph type="body" sz="quarter" idx="4294967295"/>
-          </p:nvPr>
-        </p:nvSpPr>
-        <p:spPr>
-          <a:xfrm>
-            <a:off x="26269349" y="16002931"/>
-            <a:ext cx="12213167" cy="2245784"/>
-          </a:xfrm>
-        </p:spPr>
-        <p:txBody>
-          <a:bodyPr/>
-          <a:lstStyle/>
-          <a:p>
-            <a:r>
-              <a:t> </a:t>
-            </a:r>
-          </a:p>
-        </p:txBody>
-      </p:sp>
-      <p:sp>
-        <p:nvSpPr>
-          <p:cNvPr id="37" name="Text Placeholder 36"/>
-          <p:cNvSpPr>
-            <a:spLocks noGrp="1"/>
-          </p:cNvSpPr>
-          <p:nvPr>
-            <p:ph type="body" sz="quarter" idx="4294967295"/>
-          </p:nvPr>
-        </p:nvSpPr>
-        <p:spPr>
-          <a:xfrm>
-            <a:off x="26546867" y="20496757"/>
-            <a:ext cx="12096749" cy="2209800"/>
-          </a:xfrm>
-        </p:spPr>
-        <p:txBody>
-          <a:bodyPr/>
-          <a:lstStyle/>
-          <a:p>
-            <a:r>
-              <a:t> </a:t>
-            </a:r>
-          </a:p>
-        </p:txBody>
-      </p:sp>
-      <p:sp>
-        <p:nvSpPr>
-          <p:cNvPr id="38" name="Text Placeholder 37"/>
-          <p:cNvSpPr>
-            <a:spLocks noGrp="1"/>
-          </p:cNvSpPr>
-          <p:nvPr>
-            <p:ph type="body" sz="quarter" idx="4294967295"/>
-          </p:nvPr>
-        </p:nvSpPr>
-        <p:spPr>
-          <a:xfrm>
-            <a:off x="-26166366" y="24751888"/>
-            <a:ext cx="12194116" cy="2175933"/>
-          </a:xfrm>
-        </p:spPr>
-        <p:txBody>
-          <a:bodyPr/>
-          <a:lstStyle/>
-          <a:p>
-            <a:r>
-              <a:t> </a:t>
-            </a:r>
-          </a:p>
-        </p:txBody>
-      </p:sp>
-      <p:sp>
-        <p:nvSpPr>
-          <p:cNvPr id="39" name="Text Placeholder 38"/>
-          <p:cNvSpPr>
-            <a:spLocks noGrp="1"/>
-          </p:cNvSpPr>
-          <p:nvPr>
-            <p:ph type="body" sz="quarter" idx="4294967295"/>
-          </p:nvPr>
-        </p:nvSpPr>
-        <p:spPr>
-          <a:xfrm>
-            <a:off x="-13370984" y="24767821"/>
-            <a:ext cx="12412133" cy="2160000"/>
-          </a:xfrm>
-        </p:spPr>
-        <p:txBody>
-          <a:bodyPr/>
-          <a:lstStyle/>
-          <a:p>
-            <a:pPr rtl="1"/>
-            <a:r>
-              <a:rPr lang="ar-EG"/>
-              <a:t> </a:t>
-            </a:r>
-          </a:p>
-        </p:txBody>
-      </p:sp>
-      <p:sp>
-        <p:nvSpPr>
-          <p:cNvPr id="40" name="Text Placeholder 39"/>
-          <p:cNvSpPr>
-            <a:spLocks noGrp="1"/>
-          </p:cNvSpPr>
-          <p:nvPr>
-            <p:ph type="body" sz="quarter" idx="4294967295"/>
-          </p:nvPr>
-        </p:nvSpPr>
-        <p:spPr>
-          <a:xfrm>
-            <a:off x="-226105" y="24752301"/>
-            <a:ext cx="12412133" cy="2131484"/>
-          </a:xfrm>
-        </p:spPr>
-        <p:txBody>
-          <a:bodyPr/>
-          <a:lstStyle/>
-          <a:p>
-            <a:r>
-              <a:t> </a:t>
-            </a:r>
+            <a:endParaRPr lang="en-US" dirty="0"/>
           </a:p>
         </p:txBody>
       </p:sp>
@@ -7225,6 +6230,7 @@
           <a:lstStyle/>
           <a:p>
             <a:r>
+              <a:rPr dirty="0"/>
               <a:t>All heaven and earth
 will exalt you Lord, only Jesus</a:t>
             </a:r>
